--- a/Arabic/EPIC Privacy Technology v02.pptx
+++ b/Arabic/EPIC Privacy Technology v02.pptx
@@ -254,7 +254,7 @@
           <a:p>
             <a:fld id="{2C589450-6D6C-274A-95DB-474DD4720C8A}" type="datetimeFigureOut">
               <a:rPr lang="en-US" smtClean="0"/>
-              <a:t>4/4/21</a:t>
+              <a:t>4/5/2021</a:t>
             </a:fld>
             <a:endParaRPr lang="en-US"/>
           </a:p>
@@ -424,7 +424,7 @@
           <a:p>
             <a:fld id="{2C589450-6D6C-274A-95DB-474DD4720C8A}" type="datetimeFigureOut">
               <a:rPr lang="en-US" smtClean="0"/>
-              <a:t>4/4/21</a:t>
+              <a:t>4/5/2021</a:t>
             </a:fld>
             <a:endParaRPr lang="en-US"/>
           </a:p>
@@ -604,7 +604,7 @@
           <a:p>
             <a:fld id="{2C589450-6D6C-274A-95DB-474DD4720C8A}" type="datetimeFigureOut">
               <a:rPr lang="en-US" smtClean="0"/>
-              <a:t>4/4/21</a:t>
+              <a:t>4/5/2021</a:t>
             </a:fld>
             <a:endParaRPr lang="en-US"/>
           </a:p>
@@ -774,7 +774,7 @@
           <a:p>
             <a:fld id="{2C589450-6D6C-274A-95DB-474DD4720C8A}" type="datetimeFigureOut">
               <a:rPr lang="en-US" smtClean="0"/>
-              <a:t>4/4/21</a:t>
+              <a:t>4/5/2021</a:t>
             </a:fld>
             <a:endParaRPr lang="en-US"/>
           </a:p>
@@ -1018,7 +1018,7 @@
           <a:p>
             <a:fld id="{2C589450-6D6C-274A-95DB-474DD4720C8A}" type="datetimeFigureOut">
               <a:rPr lang="en-US" smtClean="0"/>
-              <a:t>4/4/21</a:t>
+              <a:t>4/5/2021</a:t>
             </a:fld>
             <a:endParaRPr lang="en-US"/>
           </a:p>
@@ -1250,7 +1250,7 @@
           <a:p>
             <a:fld id="{2C589450-6D6C-274A-95DB-474DD4720C8A}" type="datetimeFigureOut">
               <a:rPr lang="en-US" smtClean="0"/>
-              <a:t>4/4/21</a:t>
+              <a:t>4/5/2021</a:t>
             </a:fld>
             <a:endParaRPr lang="en-US"/>
           </a:p>
@@ -1617,7 +1617,7 @@
           <a:p>
             <a:fld id="{2C589450-6D6C-274A-95DB-474DD4720C8A}" type="datetimeFigureOut">
               <a:rPr lang="en-US" smtClean="0"/>
-              <a:t>4/4/21</a:t>
+              <a:t>4/5/2021</a:t>
             </a:fld>
             <a:endParaRPr lang="en-US"/>
           </a:p>
@@ -1735,7 +1735,7 @@
           <a:p>
             <a:fld id="{2C589450-6D6C-274A-95DB-474DD4720C8A}" type="datetimeFigureOut">
               <a:rPr lang="en-US" smtClean="0"/>
-              <a:t>4/4/21</a:t>
+              <a:t>4/5/2021</a:t>
             </a:fld>
             <a:endParaRPr lang="en-US"/>
           </a:p>
@@ -1830,7 +1830,7 @@
           <a:p>
             <a:fld id="{2C589450-6D6C-274A-95DB-474DD4720C8A}" type="datetimeFigureOut">
               <a:rPr lang="en-US" smtClean="0"/>
-              <a:t>4/4/21</a:t>
+              <a:t>4/5/2021</a:t>
             </a:fld>
             <a:endParaRPr lang="en-US"/>
           </a:p>
@@ -2107,7 +2107,7 @@
           <a:p>
             <a:fld id="{2C589450-6D6C-274A-95DB-474DD4720C8A}" type="datetimeFigureOut">
               <a:rPr lang="en-US" smtClean="0"/>
-              <a:t>4/4/21</a:t>
+              <a:t>4/5/2021</a:t>
             </a:fld>
             <a:endParaRPr lang="en-US"/>
           </a:p>
@@ -2364,7 +2364,7 @@
           <a:p>
             <a:fld id="{2C589450-6D6C-274A-95DB-474DD4720C8A}" type="datetimeFigureOut">
               <a:rPr lang="en-US" smtClean="0"/>
-              <a:t>4/4/21</a:t>
+              <a:t>4/5/2021</a:t>
             </a:fld>
             <a:endParaRPr lang="en-US"/>
           </a:p>
@@ -2580,7 +2580,7 @@
           <a:p>
             <a:fld id="{2C589450-6D6C-274A-95DB-474DD4720C8A}" type="datetimeFigureOut">
               <a:rPr lang="en-US" smtClean="0"/>
-              <a:t>4/4/21</a:t>
+              <a:t>4/5/2021</a:t>
             </a:fld>
             <a:endParaRPr lang="en-US"/>
           </a:p>
@@ -3058,7 +3058,7 @@
           <a:bodyPr rtlCol="0" anchor="ctr"/>
           <a:lstStyle/>
           <a:p>
-            <a:pPr marL="0" algn="ctr" defTabSz="457200" rtl="1" eaLnBrk="1" latinLnBrk="0" hangingPunct="1"/>
+            <a:pPr algn="ctr"/>
             <a:endParaRPr lang="en-US"/>
           </a:p>
         </p:txBody>
@@ -12350,7 +12350,7 @@
           </a:bodyPr>
           <a:lstStyle/>
           <a:p>
-            <a:pPr marL="0" algn="ctr" defTabSz="457200" rtl="1" eaLnBrk="1" latinLnBrk="0" hangingPunct="1"/>
+            <a:pPr algn="ctr"/>
             <a:endParaRPr lang="en-US"/>
           </a:p>
         </p:txBody>
@@ -12520,7 +12520,7 @@
           <a:bodyPr rtlCol="0" anchor="ctr"/>
           <a:lstStyle/>
           <a:p>
-            <a:pPr marL="0" algn="ctr" defTabSz="457200" rtl="1" eaLnBrk="1" latinLnBrk="0" hangingPunct="1"/>
+            <a:pPr algn="ctr"/>
             <a:endParaRPr lang="en-US"/>
           </a:p>
         </p:txBody>
@@ -12702,7 +12702,7 @@
           </a:bodyPr>
           <a:lstStyle/>
           <a:p>
-            <a:pPr algn="r"/>
+            <a:pPr algn="r" rtl="1"/>
             <a:r>
               <a:rPr lang="ar-SA" sz="1000" b="1" dirty="0">
                 <a:solidFill>
@@ -12710,7 +12710,7 @@
                 </a:solidFill>
                 <a:latin typeface="Gotham HTF Black" pitchFamily="2" charset="77"/>
               </a:rPr>
-              <a:t>طريقة العمل:</a:t>
+              <a:t>ماذا تعمل</a:t>
             </a:r>
             <a:endParaRPr lang="en-US" sz="1000" dirty="0">
               <a:solidFill>
@@ -13535,7 +13535,7 @@
             </a:bodyPr>
             <a:lstStyle/>
             <a:p>
-              <a:pPr marL="4763" algn="ctr">
+              <a:pPr marL="4763" algn="ctr" rtl="1">
                 <a:lnSpc>
                   <a:spcPct val="85000"/>
                 </a:lnSpc>
@@ -13547,29 +13547,11 @@
                   </a:solidFill>
                   <a:latin typeface="Gotham HTF Black" pitchFamily="2" charset="77"/>
                 </a:rPr>
-                <a:t>4 أعمدة </a:t>
-              </a:r>
-              <a:r>
-                <a:rPr lang="ar-SA" b="1" dirty="0" err="1">
-                  <a:solidFill>
-                    <a:schemeClr val="bg2"/>
-                  </a:solidFill>
-                  <a:latin typeface="Gotham HTF Black" pitchFamily="2" charset="77"/>
-                </a:rPr>
-                <a:t>ايبك</a:t>
-              </a:r>
-              <a:r>
-                <a:rPr lang="ar-SA" b="1" dirty="0">
-                  <a:solidFill>
-                    <a:schemeClr val="bg2"/>
-                  </a:solidFill>
-                  <a:latin typeface="Gotham HTF Black" pitchFamily="2" charset="77"/>
-                </a:rPr>
-                <a:t> </a:t>
+                <a:t>الركائز الأربع </a:t>
               </a:r>
             </a:p>
             <a:p>
-              <a:pPr marL="4763" algn="ctr">
+              <a:pPr marL="4763" algn="ctr" rtl="1">
                 <a:lnSpc>
                   <a:spcPct val="85000"/>
                 </a:lnSpc>
@@ -13581,16 +13563,17 @@
                   </a:solidFill>
                   <a:latin typeface="Gotham HTF Black" pitchFamily="2" charset="77"/>
                 </a:rPr>
-                <a:t>للخصوصية</a:t>
+                <a:t>لخصوصية </a:t>
               </a:r>
-              <a:br>
+              <a:r>
                 <a:rPr lang="en-US" b="1" dirty="0">
                   <a:solidFill>
                     <a:schemeClr val="bg2"/>
                   </a:solidFill>
                   <a:latin typeface="Gotham HTF Black" pitchFamily="2" charset="77"/>
                 </a:rPr>
-              </a:br>
+                <a:t>EPIC </a:t>
+              </a:r>
               <a:endParaRPr lang="en-US" b="1" dirty="0">
                 <a:solidFill>
                   <a:schemeClr val="bg2"/>
@@ -13615,8 +13598,8 @@
         </p:nvSpPr>
         <p:spPr>
           <a:xfrm>
-            <a:off x="5677086" y="8926610"/>
-            <a:ext cx="1189749" cy="184666"/>
+            <a:off x="5803723" y="8926610"/>
+            <a:ext cx="1063112" cy="184666"/>
           </a:xfrm>
           <a:prstGeom prst="rect">
             <a:avLst/>
@@ -13630,32 +13613,20 @@
           <a:p>
             <a:pPr algn="r"/>
             <a:r>
-              <a:rPr lang="en-US" sz="600" dirty="0">
+              <a:rPr lang="ar-SA" sz="600" dirty="0">
                 <a:solidFill>
                   <a:schemeClr val="bg2"/>
                 </a:solidFill>
                 <a:latin typeface="Gotham HTF Book" pitchFamily="2" charset="77"/>
               </a:rPr>
-              <a:t>Version 02 – 5</a:t>
+              <a:t>الإصدار ٠٢  - ٥  أغسطس ٢٠٢٠ </a:t>
             </a:r>
-            <a:r>
-              <a:rPr lang="en-US" sz="600" baseline="30000" dirty="0">
-                <a:solidFill>
-                  <a:schemeClr val="bg2"/>
-                </a:solidFill>
-                <a:latin typeface="Gotham HTF Book" pitchFamily="2" charset="77"/>
-              </a:rPr>
-              <a:t>th</a:t>
-            </a:r>
-            <a:r>
-              <a:rPr lang="en-US" sz="600" dirty="0">
-                <a:solidFill>
-                  <a:schemeClr val="bg2"/>
-                </a:solidFill>
-                <a:latin typeface="Gotham HTF Book" pitchFamily="2" charset="77"/>
-              </a:rPr>
-              <a:t> Aug 2020</a:t>
-            </a:r>
+            <a:endParaRPr lang="en-US" sz="600" dirty="0">
+              <a:solidFill>
+                <a:schemeClr val="bg2"/>
+              </a:solidFill>
+              <a:latin typeface="Gotham HTF Book" pitchFamily="2" charset="77"/>
+            </a:endParaRPr>
           </a:p>
         </p:txBody>
       </p:sp>
@@ -13687,19 +13658,19 @@
           </a:bodyPr>
           <a:lstStyle/>
           <a:p>
-            <a:pPr algn="r">
+            <a:pPr>
               <a:lnSpc>
                 <a:spcPct val="85000"/>
               </a:lnSpc>
             </a:pPr>
             <a:r>
-              <a:rPr lang="ar-SA" sz="2400" b="1" dirty="0">
+              <a:rPr lang="en-US" sz="2400" b="1" dirty="0">
                 <a:solidFill>
                   <a:schemeClr val="tx2"/>
                 </a:solidFill>
                 <a:latin typeface="Gotham HTF Black" pitchFamily="2" charset="77"/>
               </a:rPr>
-              <a:t>1. ضم العملة</a:t>
+              <a:t>1. COINJOIN</a:t>
             </a:r>
             <a:endParaRPr lang="en-US" sz="2400" b="1" dirty="0">
               <a:solidFill>
@@ -13724,8 +13695,8 @@
         </p:nvSpPr>
         <p:spPr>
           <a:xfrm>
-            <a:off x="3683513" y="249178"/>
-            <a:ext cx="3164638" cy="461768"/>
+            <a:off x="3484787" y="249178"/>
+            <a:ext cx="3363364" cy="461768"/>
           </a:xfrm>
           <a:prstGeom prst="rect">
             <a:avLst/>
@@ -13738,19 +13709,20 @@
           </a:bodyPr>
           <a:lstStyle/>
           <a:p>
-            <a:pPr algn="r">
+            <a:pPr algn="l" rtl="1">
               <a:lnSpc>
                 <a:spcPct val="85000"/>
               </a:lnSpc>
             </a:pPr>
             <a:r>
-              <a:rPr lang="en-US" sz="2400" b="1" dirty="0">
+              <a:rPr lang="ar-SA" sz="2400" b="1" dirty="0">
                 <a:solidFill>
                   <a:schemeClr val="tx2"/>
                 </a:solidFill>
-                <a:latin typeface="Gotham HTF Black" pitchFamily="2" charset="77"/>
+                <a:latin typeface="Times New Roman"/>
+                <a:cs typeface="Times New Roman"/>
               </a:rPr>
-              <a:t> </a:t>
+              <a:t>2</a:t>
             </a:r>
             <a:r>
               <a:rPr lang="ar-SA" sz="2400" b="1" dirty="0">
@@ -13759,14 +13731,17 @@
                 </a:solidFill>
                 <a:latin typeface="Gotham HTF Black" pitchFamily="2" charset="77"/>
               </a:rPr>
-              <a:t>2. قطع الطريق</a:t>
+              <a:t>.عملية القطع </a:t>
             </a:r>
-            <a:endParaRPr lang="en-US" sz="2400" b="1" dirty="0">
-              <a:solidFill>
-                <a:schemeClr val="tx2"/>
-              </a:solidFill>
-              <a:latin typeface="Gotham HTF Book" pitchFamily="2" charset="77"/>
-            </a:endParaRPr>
+            <a:r>
+              <a:rPr lang="en-US" sz="2400" b="1" dirty="0">
+                <a:solidFill>
+                  <a:schemeClr val="tx2"/>
+                </a:solidFill>
+                <a:latin typeface="Gotham HTF Black" pitchFamily="2" charset="77"/>
+              </a:rPr>
+              <a:t>Cut-Through</a:t>
+            </a:r>
           </a:p>
         </p:txBody>
       </p:sp>
@@ -13870,25 +13845,7 @@
                 </a:solidFill>
                 <a:latin typeface="Gotham HTF Book" pitchFamily="2" charset="77"/>
               </a:rPr>
-              <a:t>(</a:t>
-            </a:r>
-            <a:r>
-              <a:rPr lang="ar-SA" sz="1200" dirty="0">
-                <a:solidFill>
-                  <a:schemeClr val="tx2"/>
-                </a:solidFill>
-                <a:latin typeface="Gotham HTF Book" pitchFamily="2" charset="77"/>
-              </a:rPr>
-              <a:t>قريبا</a:t>
-            </a:r>
-            <a:r>
-              <a:rPr lang="en-US" sz="1200" dirty="0">
-                <a:solidFill>
-                  <a:schemeClr val="tx2"/>
-                </a:solidFill>
-                <a:latin typeface="Gotham HTF Book" pitchFamily="2" charset="77"/>
-              </a:rPr>
-              <a:t>)</a:t>
+              <a:t>(coming soon)</a:t>
             </a:r>
             <a:endParaRPr lang="en-US" sz="2400" dirty="0">
               <a:solidFill>
@@ -13927,7 +13884,7 @@
           </a:bodyPr>
           <a:lstStyle/>
           <a:p>
-            <a:pPr algn="r"/>
+            <a:pPr algn="r" rtl="1"/>
             <a:r>
               <a:rPr lang="ar-SA" sz="1000" b="1" dirty="0">
                 <a:solidFill>
@@ -13935,7 +13892,7 @@
                 </a:solidFill>
                 <a:latin typeface="Gotham HTF Black" pitchFamily="2" charset="77"/>
               </a:rPr>
-              <a:t>ماذا يعني لك هذا:</a:t>
+              <a:t>ماذا يعني ذلك بالنسبة لك:</a:t>
             </a:r>
             <a:endParaRPr lang="en-US" sz="1000" dirty="0">
               <a:solidFill>
@@ -13974,7 +13931,7 @@
           </a:bodyPr>
           <a:lstStyle/>
           <a:p>
-            <a:pPr algn="r"/>
+            <a:pPr algn="r" rtl="1"/>
             <a:r>
               <a:rPr lang="ar-SA" sz="1000" b="1" dirty="0">
                 <a:solidFill>
@@ -13982,7 +13939,7 @@
                 </a:solidFill>
                 <a:latin typeface="Gotham HTF Black" pitchFamily="2" charset="77"/>
               </a:rPr>
-              <a:t>كيف تعمل</a:t>
+              <a:t>ماذا تعمل</a:t>
             </a:r>
             <a:endParaRPr lang="en-US" sz="1000" dirty="0">
               <a:solidFill>
@@ -14021,7 +13978,7 @@
           </a:bodyPr>
           <a:lstStyle/>
           <a:p>
-            <a:pPr algn="r"/>
+            <a:pPr algn="r" rtl="1"/>
             <a:r>
               <a:rPr lang="ar-SA" sz="1000" b="1" dirty="0">
                 <a:solidFill>
@@ -14029,7 +13986,7 @@
                 </a:solidFill>
                 <a:latin typeface="Gotham HTF Black" pitchFamily="2" charset="77"/>
               </a:rPr>
-              <a:t>ماذا يعني لك هذا:</a:t>
+              <a:t>ماذا يعني ذلك بالنسبة لك:</a:t>
             </a:r>
             <a:endParaRPr lang="en-US" sz="1000" dirty="0">
               <a:solidFill>
@@ -14055,7 +14012,7 @@
         <p:spPr>
           <a:xfrm>
             <a:off x="220808" y="812189"/>
-            <a:ext cx="2911320" cy="461665"/>
+            <a:ext cx="2911320" cy="430887"/>
           </a:xfrm>
           <a:prstGeom prst="rect">
             <a:avLst/>
@@ -14069,17 +14026,19 @@
           <a:p>
             <a:pPr algn="r" rtl="1"/>
             <a:r>
-              <a:rPr lang="ar-SA" sz="1200" dirty="0">
+              <a:rPr lang="ar-SA" sz="1050" dirty="0">
                 <a:solidFill>
                   <a:schemeClr val="tx2"/>
                 </a:solidFill>
+                <a:latin typeface="Gotham HTF Book" pitchFamily="2" charset="77"/>
               </a:rPr>
-              <a:t>يتم اذابة العملات ومن ثم إعادة إصدارها عندما يتم استخدامها</a:t>
+              <a:t>يتم "صهر" العملات وإعادة إصدارها في كل مرة يتم استخدامها فيها.</a:t>
             </a:r>
-            <a:endParaRPr lang="en-BE" sz="1200" dirty="0">
+            <a:endParaRPr lang="en-US" sz="1050" dirty="0">
               <a:solidFill>
                 <a:schemeClr val="tx2"/>
               </a:solidFill>
+              <a:latin typeface="Gotham HTF Book" pitchFamily="2" charset="77"/>
             </a:endParaRPr>
           </a:p>
         </p:txBody>
@@ -14099,7 +14058,7 @@
         <p:spPr>
           <a:xfrm>
             <a:off x="220808" y="1546863"/>
-            <a:ext cx="2911320" cy="461665"/>
+            <a:ext cx="2911320" cy="415498"/>
           </a:xfrm>
           <a:prstGeom prst="rect">
             <a:avLst/>
@@ -14113,49 +14072,37 @@
           <a:p>
             <a:pPr algn="r" rtl="1"/>
             <a:r>
-              <a:rPr lang="ar-SA" sz="1200" dirty="0">
+              <a:rPr lang="ar-SA" sz="1050" dirty="0">
                 <a:solidFill>
                   <a:schemeClr val="tx2"/>
                 </a:solidFill>
+                <a:latin typeface="Gotham HTF Book" pitchFamily="2" charset="77"/>
               </a:rPr>
-              <a:t>بعكس </a:t>
+              <a:t>على عكس </a:t>
             </a:r>
             <a:r>
-              <a:rPr lang="ar-SA" sz="1200" dirty="0" err="1">
+              <a:rPr lang="ar-SA" sz="1050" dirty="0" err="1">
                 <a:solidFill>
                   <a:schemeClr val="tx2"/>
                 </a:solidFill>
+                <a:latin typeface="Gotham HTF Book" pitchFamily="2" charset="77"/>
               </a:rPr>
-              <a:t>بيتكوين</a:t>
+              <a:t>البيتكوين</a:t>
             </a:r>
             <a:r>
-              <a:rPr lang="ar-SA" sz="1200" dirty="0">
+              <a:rPr lang="ar-SA" sz="1050" dirty="0">
                 <a:solidFill>
                   <a:schemeClr val="tx2"/>
                 </a:solidFill>
+                <a:latin typeface="Gotham HTF Book" pitchFamily="2" charset="77"/>
               </a:rPr>
-              <a:t>, لن </a:t>
+              <a:t>، لن تمتلك أبدًا عملة "ملوثة" - إنها حقًا قابلة للاستبدال.</a:t>
             </a:r>
-            <a:r>
-              <a:rPr lang="ar-SA" sz="1200" dirty="0" err="1">
-                <a:solidFill>
-                  <a:schemeClr val="tx2"/>
-                </a:solidFill>
-              </a:rPr>
-              <a:t>تمتتلك</a:t>
-            </a:r>
-            <a:r>
-              <a:rPr lang="ar-SA" sz="1200" dirty="0">
-                <a:solidFill>
-                  <a:schemeClr val="tx2"/>
-                </a:solidFill>
-              </a:rPr>
-              <a:t> عملة ملوثة, عملة قابلة للاستبدال بالمطلق</a:t>
-            </a:r>
-            <a:endParaRPr lang="en-BE" sz="1200" dirty="0">
+            <a:endParaRPr lang="en-US" sz="1050" dirty="0">
               <a:solidFill>
                 <a:schemeClr val="tx2"/>
               </a:solidFill>
+              <a:latin typeface="Gotham HTF Book" pitchFamily="2" charset="77"/>
             </a:endParaRPr>
           </a:p>
         </p:txBody>
@@ -14187,7 +14134,7 @@
           </a:bodyPr>
           <a:lstStyle/>
           <a:p>
-            <a:pPr algn="r"/>
+            <a:pPr algn="r" rtl="1"/>
             <a:r>
               <a:rPr lang="ar-SA" sz="1050" dirty="0">
                 <a:solidFill>
@@ -14195,7 +14142,16 @@
                 </a:solidFill>
                 <a:latin typeface="Gotham HTF Book" pitchFamily="2" charset="77"/>
               </a:rPr>
-              <a:t>القيمة والعنوان غير مرئيان في سلسلة الكتلة</a:t>
+              <a:t>المبالغ والعناوين غير مرئية في </a:t>
+            </a:r>
+            <a:r>
+              <a:rPr lang="ar-SA" sz="1050" dirty="0" err="1">
+                <a:solidFill>
+                  <a:schemeClr val="tx2"/>
+                </a:solidFill>
+                <a:latin typeface="Gotham HTF Book" pitchFamily="2" charset="77"/>
+              </a:rPr>
+              <a:t>البلوكتشين</a:t>
             </a:r>
             <a:endParaRPr lang="en-US" sz="1050" dirty="0">
               <a:solidFill>
@@ -14221,7 +14177,7 @@
         <p:spPr>
           <a:xfrm>
             <a:off x="3588261" y="1559242"/>
-            <a:ext cx="2727589" cy="253916"/>
+            <a:ext cx="2727589" cy="415498"/>
           </a:xfrm>
           <a:prstGeom prst="rect">
             <a:avLst/>
@@ -14233,7 +14189,7 @@
           </a:bodyPr>
           <a:lstStyle/>
           <a:p>
-            <a:pPr algn="r"/>
+            <a:pPr algn="r" rtl="1"/>
             <a:r>
               <a:rPr lang="ar-SA" sz="1050" dirty="0">
                 <a:solidFill>
@@ -14241,7 +14197,7 @@
                 </a:solidFill>
                 <a:latin typeface="Gotham HTF Book" pitchFamily="2" charset="77"/>
               </a:rPr>
-              <a:t>لا احد يستطيع معرفة ماذا أرسلت وان كنت ارسلت</a:t>
+              <a:t>لن يعرف أحد على الإطلاق ما الذي أرسلته، أو حتى أنك أرسلته</a:t>
             </a:r>
             <a:endParaRPr lang="en-US" sz="1050" dirty="0">
               <a:solidFill>
@@ -14280,7 +14236,7 @@
           </a:bodyPr>
           <a:lstStyle/>
           <a:p>
-            <a:pPr algn="r"/>
+            <a:pPr algn="r" rtl="1"/>
             <a:r>
               <a:rPr lang="ar-SA" sz="1000" b="1" dirty="0">
                 <a:solidFill>
@@ -14288,7 +14244,7 @@
                 </a:solidFill>
                 <a:latin typeface="Gotham HTF Black" pitchFamily="2" charset="77"/>
               </a:rPr>
-              <a:t>طريقة العمل:</a:t>
+              <a:t>ماذا تعمل</a:t>
             </a:r>
             <a:endParaRPr lang="en-US" sz="1000" dirty="0">
               <a:solidFill>
@@ -14327,7 +14283,7 @@
           </a:bodyPr>
           <a:lstStyle/>
           <a:p>
-            <a:pPr algn="r"/>
+            <a:pPr algn="r" rtl="1"/>
             <a:r>
               <a:rPr lang="ar-SA" sz="1000" b="1" dirty="0">
                 <a:solidFill>
@@ -14335,7 +14291,7 @@
                 </a:solidFill>
                 <a:latin typeface="Gotham HTF Black" pitchFamily="2" charset="77"/>
               </a:rPr>
-              <a:t>ماذا يعني لك هذا:</a:t>
+              <a:t>ماذا يعني ذلك بالنسبة لك:</a:t>
             </a:r>
             <a:endParaRPr lang="en-US" sz="1000" dirty="0">
               <a:solidFill>
@@ -14374,7 +14330,7 @@
           </a:bodyPr>
           <a:lstStyle/>
           <a:p>
-            <a:pPr algn="r"/>
+            <a:pPr algn="r" rtl="1"/>
             <a:r>
               <a:rPr lang="ar-SA" sz="1000" b="1" dirty="0">
                 <a:solidFill>
@@ -14382,7 +14338,7 @@
                 </a:solidFill>
                 <a:latin typeface="Gotham HTF Black" pitchFamily="2" charset="77"/>
               </a:rPr>
-              <a:t>طريقة العمل:</a:t>
+              <a:t>ماذا تعمل</a:t>
             </a:r>
             <a:endParaRPr lang="en-US" sz="1000" dirty="0">
               <a:solidFill>
@@ -14421,7 +14377,7 @@
           </a:bodyPr>
           <a:lstStyle/>
           <a:p>
-            <a:pPr algn="r"/>
+            <a:pPr algn="r" rtl="1"/>
             <a:r>
               <a:rPr lang="ar-SA" sz="1000" b="1" dirty="0">
                 <a:solidFill>
@@ -14429,7 +14385,7 @@
                 </a:solidFill>
                 <a:latin typeface="Gotham HTF Black" pitchFamily="2" charset="77"/>
               </a:rPr>
-              <a:t>ماذا يعني لك هذا:</a:t>
+              <a:t>ماذا يعني ذلك بالنسبة لك:</a:t>
             </a:r>
             <a:endParaRPr lang="en-US" sz="1000" dirty="0">
               <a:solidFill>
@@ -14467,7 +14423,7 @@
           </a:bodyPr>
           <a:lstStyle/>
           <a:p>
-            <a:pPr algn="r"/>
+            <a:pPr algn="r" rtl="1"/>
             <a:r>
               <a:rPr lang="ar-SA" sz="1050" dirty="0">
                 <a:solidFill>
@@ -14475,7 +14431,16 @@
                 </a:solidFill>
                 <a:latin typeface="Gotham HTF Book" pitchFamily="2" charset="77"/>
               </a:rPr>
-              <a:t>ارتداد الحركات بشكل عشوائي حول العالم قبل ان تقوم بالالتزام بسلسلة الكتلة</a:t>
+              <a:t>ترتد المعاملات بشكل عشوائي حول العالم قبل تسجيلها في </a:t>
+            </a:r>
+            <a:r>
+              <a:rPr lang="ar-SA" sz="1050" dirty="0" err="1">
+                <a:solidFill>
+                  <a:schemeClr val="tx2"/>
+                </a:solidFill>
+                <a:latin typeface="Gotham HTF Book" pitchFamily="2" charset="77"/>
+              </a:rPr>
+              <a:t>البلوكتشين</a:t>
             </a:r>
             <a:endParaRPr lang="en-US" sz="1050" dirty="0">
               <a:solidFill>
@@ -14513,6 +14478,7 @@
           </a:bodyPr>
           <a:lstStyle/>
           <a:p>
+            <a:pPr algn="r" rtl="1"/>
             <a:r>
               <a:rPr lang="ar-SA" sz="1050" dirty="0">
                 <a:solidFill>
@@ -14520,7 +14486,7 @@
                 </a:solidFill>
                 <a:latin typeface="Gotham HTF Book" pitchFamily="2" charset="77"/>
               </a:rPr>
-              <a:t>حتى لو تمكن احدهم بمشاهدة الحركة بالرغم من استحالة هذا, لكن لا يمكن مشاهدة مكان نشأة البداية</a:t>
+              <a:t>حتى لو تمكن شخص ما من رؤية المعاملة (وهو مستحيل) ، فلن يعرف أبدًا من أين نشأت</a:t>
             </a:r>
             <a:endParaRPr lang="en-US" sz="1050" dirty="0">
               <a:solidFill>
@@ -14558,7 +14524,7 @@
           </a:bodyPr>
           <a:lstStyle/>
           <a:p>
-            <a:pPr algn="r"/>
+            <a:pPr algn="r" rtl="1"/>
             <a:r>
               <a:rPr lang="ar-SA" sz="1050" dirty="0">
                 <a:solidFill>
@@ -14566,7 +14532,25 @@
                 </a:solidFill>
                 <a:latin typeface="Gotham HTF Book" pitchFamily="2" charset="77"/>
               </a:rPr>
-              <a:t>عنوان بروتوكول الانترنت مخفي</a:t>
+              <a:t>عناوين </a:t>
+            </a:r>
+            <a:r>
+              <a:rPr lang="en-US" sz="1050" dirty="0">
+                <a:solidFill>
+                  <a:schemeClr val="tx2"/>
+                </a:solidFill>
+                <a:latin typeface="Gotham HTF Book" pitchFamily="2" charset="77"/>
+              </a:rPr>
+              <a:t>IP </a:t>
+            </a:r>
+            <a:r>
+              <a:rPr lang="ar-SA" sz="1050" dirty="0">
+                <a:solidFill>
+                  <a:schemeClr val="tx2"/>
+                </a:solidFill>
+                <a:latin typeface="Gotham HTF Book" pitchFamily="2" charset="77"/>
+              </a:rPr>
+              <a:t> مخفي</a:t>
             </a:r>
             <a:endParaRPr lang="en-US" sz="1050" dirty="0">
               <a:solidFill>
@@ -14592,7 +14576,7 @@
         <p:spPr>
           <a:xfrm>
             <a:off x="3585085" y="8194079"/>
-            <a:ext cx="3196965" cy="577081"/>
+            <a:ext cx="3196965" cy="415498"/>
           </a:xfrm>
           <a:prstGeom prst="rect">
             <a:avLst/>
@@ -14604,6 +14588,7 @@
           </a:bodyPr>
           <a:lstStyle/>
           <a:p>
+            <a:pPr algn="r" rtl="1"/>
             <a:r>
               <a:rPr lang="ar-SA" sz="1050" dirty="0">
                 <a:solidFill>
@@ -14611,7 +14596,25 @@
                 </a:solidFill>
                 <a:latin typeface="Gotham HTF Book" pitchFamily="2" charset="77"/>
               </a:rPr>
-              <a:t>حتى لو تمكن احدهم بمشاهدة الحركة ومكان نشأة البداية بالرغم من استحالة هذا, لكن لا يمكن مشاهدة مكان نشأة البداية لكن لا يمكن معرفة المرسل</a:t>
+              <a:t>حتى لو تمكن شخص ما من رؤية المعاملة والاطلاع على مصدرها على الشبكة (وهو </a:t>
+            </a:r>
+            <a:r>
+              <a:rPr lang="ar-SA" sz="1050" dirty="0" err="1">
+                <a:solidFill>
+                  <a:schemeClr val="tx2"/>
+                </a:solidFill>
+                <a:latin typeface="Gotham HTF Book" pitchFamily="2" charset="77"/>
+              </a:rPr>
+              <a:t>لايستطيع</a:t>
+            </a:r>
+            <a:r>
+              <a:rPr lang="ar-SA" sz="1050" dirty="0">
+                <a:solidFill>
+                  <a:schemeClr val="tx2"/>
+                </a:solidFill>
+                <a:latin typeface="Gotham HTF Book" pitchFamily="2" charset="77"/>
+              </a:rPr>
+              <a:t>) ، فلا يزال غير قادر على معرفة من أرسلها</a:t>
             </a:r>
             <a:endParaRPr lang="en-US" sz="1050" dirty="0">
               <a:solidFill>
